--- a/ENVIAR ASESOR UNO/Presentacion asesor uno.pptx
+++ b/ENVIAR ASESOR UNO/Presentacion asesor uno.pptx
@@ -134,13 +134,45 @@
 <file path=ppt/revisionInfo.xml><?xml version="1.0" encoding="utf-8"?>
 <p1510:revInfo xmlns:a="http://schemas.openxmlformats.org/drawingml/2006/main" xmlns:r="http://schemas.openxmlformats.org/officeDocument/2006/relationships" xmlns:p1510="http://schemas.microsoft.com/office/powerpoint/2015/10/main">
   <p1510:revLst>
-    <p1510:client id="{2F3BDEE8-1B09-4329-B241-C1265B3CF150}" v="1" dt="2021-03-23T01:55:31.174"/>
+    <p1510:client id="{C72E37DB-AFAA-4F60-A3EF-125AFCDC0E2D}" v="1" dt="2021-04-16T01:47:48.782"/>
   </p1510:revLst>
 </p1510:revInfo>
 </file>
 
 <file path=ppt/changesInfos/changesInfo1.xml><?xml version="1.0" encoding="utf-8"?>
 <pc:chgInfo xmlns:a="http://schemas.openxmlformats.org/drawingml/2006/main" xmlns:r="http://schemas.openxmlformats.org/officeDocument/2006/relationships" xmlns:ac="http://schemas.microsoft.com/office/drawing/2013/main/command" xmlns:pc="http://schemas.microsoft.com/office/powerpoint/2013/main/command">
+  <pc:docChgLst>
+    <pc:chgData name="Adelaida Molina" userId="73a9b2cc98479d66" providerId="LiveId" clId="{C72E37DB-AFAA-4F60-A3EF-125AFCDC0E2D}"/>
+    <pc:docChg chg="undo custSel modSld">
+      <pc:chgData name="Adelaida Molina" userId="73a9b2cc98479d66" providerId="LiveId" clId="{C72E37DB-AFAA-4F60-A3EF-125AFCDC0E2D}" dt="2021-04-16T01:48:06.310" v="7" actId="14100"/>
+      <pc:docMkLst>
+        <pc:docMk/>
+      </pc:docMkLst>
+      <pc:sldChg chg="addSp delSp modSp mod">
+        <pc:chgData name="Adelaida Molina" userId="73a9b2cc98479d66" providerId="LiveId" clId="{C72E37DB-AFAA-4F60-A3EF-125AFCDC0E2D}" dt="2021-04-16T01:48:06.310" v="7" actId="14100"/>
+        <pc:sldMkLst>
+          <pc:docMk/>
+          <pc:sldMk cId="1496765319" sldId="279"/>
+        </pc:sldMkLst>
+        <pc:picChg chg="add mod">
+          <ac:chgData name="Adelaida Molina" userId="73a9b2cc98479d66" providerId="LiveId" clId="{C72E37DB-AFAA-4F60-A3EF-125AFCDC0E2D}" dt="2021-04-16T01:48:06.310" v="7" actId="14100"/>
+          <ac:picMkLst>
+            <pc:docMk/>
+            <pc:sldMk cId="1496765319" sldId="279"/>
+            <ac:picMk id="3" creationId="{42527688-E9C0-4472-BF37-591B97DD599C}"/>
+          </ac:picMkLst>
+        </pc:picChg>
+        <pc:picChg chg="del">
+          <ac:chgData name="Adelaida Molina" userId="73a9b2cc98479d66" providerId="LiveId" clId="{C72E37DB-AFAA-4F60-A3EF-125AFCDC0E2D}" dt="2021-04-16T01:44:50.414" v="0" actId="478"/>
+          <ac:picMkLst>
+            <pc:docMk/>
+            <pc:sldMk cId="1496765319" sldId="279"/>
+            <ac:picMk id="6" creationId="{F36704FC-0A43-4CC5-B3AB-1A7D0A2BDA3F}"/>
+          </ac:picMkLst>
+        </pc:picChg>
+      </pc:sldChg>
+    </pc:docChg>
+  </pc:docChgLst>
   <pc:docChgLst>
     <pc:chgData name="Adelaida Molina" userId="73a9b2cc98479d66" providerId="LiveId" clId="{2F3BDEE8-1B09-4329-B241-C1265B3CF150}"/>
     <pc:docChg chg="undo custSel delSld modSld">
@@ -1300,7 +1332,7 @@
           <a:p>
             <a:fld id="{F0756DDB-0285-4862-ACCC-DF1BE98EB6DD}" type="datetimeFigureOut">
               <a:rPr lang="es-MX" smtClean="0"/>
-              <a:t>22/03/2021</a:t>
+              <a:t>15/04/2021</a:t>
             </a:fld>
             <a:endParaRPr lang="es-MX"/>
           </a:p>
@@ -1632,7 +1664,7 @@
           <a:p>
             <a:fld id="{F0756DDB-0285-4862-ACCC-DF1BE98EB6DD}" type="datetimeFigureOut">
               <a:rPr lang="es-MX" smtClean="0"/>
-              <a:t>22/03/2021</a:t>
+              <a:t>15/04/2021</a:t>
             </a:fld>
             <a:endParaRPr lang="es-MX"/>
           </a:p>
@@ -1828,7 +1860,7 @@
           <a:p>
             <a:fld id="{F0756DDB-0285-4862-ACCC-DF1BE98EB6DD}" type="datetimeFigureOut">
               <a:rPr lang="es-MX" smtClean="0"/>
-              <a:t>22/03/2021</a:t>
+              <a:t>15/04/2021</a:t>
             </a:fld>
             <a:endParaRPr lang="es-MX"/>
           </a:p>
@@ -2098,7 +2130,7 @@
           <a:p>
             <a:fld id="{F0756DDB-0285-4862-ACCC-DF1BE98EB6DD}" type="datetimeFigureOut">
               <a:rPr lang="es-MX" smtClean="0"/>
-              <a:t>22/03/2021</a:t>
+              <a:t>15/04/2021</a:t>
             </a:fld>
             <a:endParaRPr lang="es-MX"/>
           </a:p>
@@ -2526,7 +2558,7 @@
           <a:p>
             <a:fld id="{F0756DDB-0285-4862-ACCC-DF1BE98EB6DD}" type="datetimeFigureOut">
               <a:rPr lang="es-MX" smtClean="0"/>
-              <a:t>22/03/2021</a:t>
+              <a:t>15/04/2021</a:t>
             </a:fld>
             <a:endParaRPr lang="es-MX"/>
           </a:p>
@@ -3076,7 +3108,7 @@
           <a:p>
             <a:fld id="{F0756DDB-0285-4862-ACCC-DF1BE98EB6DD}" type="datetimeFigureOut">
               <a:rPr lang="es-MX" smtClean="0"/>
-              <a:t>22/03/2021</a:t>
+              <a:t>15/04/2021</a:t>
             </a:fld>
             <a:endParaRPr lang="es-MX"/>
           </a:p>
@@ -3866,7 +3898,7 @@
           <a:p>
             <a:fld id="{F0756DDB-0285-4862-ACCC-DF1BE98EB6DD}" type="datetimeFigureOut">
               <a:rPr lang="es-MX" smtClean="0"/>
-              <a:t>22/03/2021</a:t>
+              <a:t>15/04/2021</a:t>
             </a:fld>
             <a:endParaRPr lang="es-MX"/>
           </a:p>
@@ -4045,7 +4077,7 @@
           <a:p>
             <a:fld id="{F0756DDB-0285-4862-ACCC-DF1BE98EB6DD}" type="datetimeFigureOut">
               <a:rPr lang="es-MX" smtClean="0"/>
-              <a:t>22/03/2021</a:t>
+              <a:t>15/04/2021</a:t>
             </a:fld>
             <a:endParaRPr lang="es-MX"/>
           </a:p>
@@ -4229,7 +4261,7 @@
           <a:p>
             <a:fld id="{F0756DDB-0285-4862-ACCC-DF1BE98EB6DD}" type="datetimeFigureOut">
               <a:rPr lang="es-MX" smtClean="0"/>
-              <a:t>22/03/2021</a:t>
+              <a:t>15/04/2021</a:t>
             </a:fld>
             <a:endParaRPr lang="es-MX"/>
           </a:p>
@@ -4404,7 +4436,7 @@
           <a:p>
             <a:fld id="{F0756DDB-0285-4862-ACCC-DF1BE98EB6DD}" type="datetimeFigureOut">
               <a:rPr lang="es-MX" smtClean="0"/>
-              <a:t>22/03/2021</a:t>
+              <a:t>15/04/2021</a:t>
             </a:fld>
             <a:endParaRPr lang="es-MX"/>
           </a:p>
@@ -4654,7 +4686,7 @@
           <a:p>
             <a:fld id="{F0756DDB-0285-4862-ACCC-DF1BE98EB6DD}" type="datetimeFigureOut">
               <a:rPr lang="es-MX" smtClean="0"/>
-              <a:t>22/03/2021</a:t>
+              <a:t>15/04/2021</a:t>
             </a:fld>
             <a:endParaRPr lang="es-MX"/>
           </a:p>
@@ -4891,7 +4923,7 @@
           <a:p>
             <a:fld id="{F0756DDB-0285-4862-ACCC-DF1BE98EB6DD}" type="datetimeFigureOut">
               <a:rPr lang="es-MX" smtClean="0"/>
-              <a:t>22/03/2021</a:t>
+              <a:t>15/04/2021</a:t>
             </a:fld>
             <a:endParaRPr lang="es-MX"/>
           </a:p>
@@ -5276,7 +5308,7 @@
           <a:p>
             <a:fld id="{F0756DDB-0285-4862-ACCC-DF1BE98EB6DD}" type="datetimeFigureOut">
               <a:rPr lang="es-MX" smtClean="0"/>
-              <a:t>22/03/2021</a:t>
+              <a:t>15/04/2021</a:t>
             </a:fld>
             <a:endParaRPr lang="es-MX"/>
           </a:p>
@@ -5394,7 +5426,7 @@
           <a:p>
             <a:fld id="{F0756DDB-0285-4862-ACCC-DF1BE98EB6DD}" type="datetimeFigureOut">
               <a:rPr lang="es-MX" smtClean="0"/>
-              <a:t>22/03/2021</a:t>
+              <a:t>15/04/2021</a:t>
             </a:fld>
             <a:endParaRPr lang="es-MX"/>
           </a:p>
@@ -5489,7 +5521,7 @@
           <a:p>
             <a:fld id="{F0756DDB-0285-4862-ACCC-DF1BE98EB6DD}" type="datetimeFigureOut">
               <a:rPr lang="es-MX" smtClean="0"/>
-              <a:t>22/03/2021</a:t>
+              <a:t>15/04/2021</a:t>
             </a:fld>
             <a:endParaRPr lang="es-MX"/>
           </a:p>
@@ -5742,7 +5774,7 @@
           <a:p>
             <a:fld id="{F0756DDB-0285-4862-ACCC-DF1BE98EB6DD}" type="datetimeFigureOut">
               <a:rPr lang="es-MX" smtClean="0"/>
-              <a:t>22/03/2021</a:t>
+              <a:t>15/04/2021</a:t>
             </a:fld>
             <a:endParaRPr lang="es-MX"/>
           </a:p>
@@ -6011,7 +6043,7 @@
           <a:p>
             <a:fld id="{F0756DDB-0285-4862-ACCC-DF1BE98EB6DD}" type="datetimeFigureOut">
               <a:rPr lang="es-MX" smtClean="0"/>
-              <a:t>22/03/2021</a:t>
+              <a:t>15/04/2021</a:t>
             </a:fld>
             <a:endParaRPr lang="es-MX"/>
           </a:p>
@@ -6414,7 +6446,7 @@
           <a:p>
             <a:fld id="{F0756DDB-0285-4862-ACCC-DF1BE98EB6DD}" type="datetimeFigureOut">
               <a:rPr lang="es-MX" smtClean="0"/>
-              <a:t>22/03/2021</a:t>
+              <a:t>15/04/2021</a:t>
             </a:fld>
             <a:endParaRPr lang="es-MX"/>
           </a:p>
@@ -7256,10 +7288,10 @@
       </p:grpSpPr>
       <p:pic>
         <p:nvPicPr>
-          <p:cNvPr id="6" name="Imagen 5" descr="Diagrama, Esquemático&#10;&#10;Descripción generada automáticamente">
+          <p:cNvPr id="3" name="Imagen 2" descr="Diagrama, Dibujo de ingeniería, Esquemático&#10;&#10;Descripción generada automáticamente">
             <a:extLst>
               <a:ext uri="{FF2B5EF4-FFF2-40B4-BE49-F238E27FC236}">
-                <a16:creationId xmlns:a16="http://schemas.microsoft.com/office/drawing/2014/main" id="{F36704FC-0A43-4CC5-B3AB-1A7D0A2BDA3F}"/>
+                <a16:creationId xmlns:a16="http://schemas.microsoft.com/office/drawing/2014/main" id="{42527688-E9C0-4472-BF37-591B97DD599C}"/>
               </a:ext>
             </a:extLst>
           </p:cNvPr>
@@ -7282,8 +7314,8 @@
         </p:blipFill>
         <p:spPr>
           <a:xfrm>
-            <a:off x="4383" y="0"/>
-            <a:ext cx="12183234" cy="6858000"/>
+            <a:off x="-107649" y="0"/>
+            <a:ext cx="12192000" cy="5853505"/>
           </a:xfrm>
           <a:prstGeom prst="rect">
             <a:avLst/>
